--- a/.temp/WS22-23-Software-Engineering-Lektion-02.pptx
+++ b/.temp/WS22-23-Software-Engineering-Lektion-02.pptx
@@ -148,6 +148,9 @@
     <p:ext uri="{EFAFB233-063F-42B5-8137-9DF3F51BA10A}">
       <p15:sldGuideLst xmlns:p15="http://schemas.microsoft.com/office/powerpoint/2012/main"/>
     </p:ext>
+    <p:ext uri="{2D200454-40CA-4A62-9FC3-DE9A4176ACB9}">
+      <p15:notesGuideLst xmlns:p15="http://schemas.microsoft.com/office/powerpoint/2012/main"/>
+    </p:ext>
   </p:extLst>
 </p:presentation>
 </file>
@@ -255,7 +258,7 @@
             <a:fld id="{897F756F-B8E4-4EF8-93FA-2ACCEF5D30FB}" type="datetime1">
               <a:rPr lang="de-DE" altLang="de-DE"/>
               <a:pPr/>
-              <a:t>24.09.2022</a:t>
+              <a:t>25.09.2022</a:t>
             </a:fld>
             <a:endParaRPr lang="de-DE" altLang="de-DE"/>
           </a:p>
@@ -339,7 +342,7 @@
             <a:fld id="{5B42728B-3CFB-4C6F-9C82-206DEE7C5AB7}" type="slidenum">
               <a:rPr lang="de-DE" altLang="de-DE"/>
               <a:pPr/>
-              <a:t>‹Nr.›</a:t>
+              <a:t>‹#›</a:t>
             </a:fld>
             <a:endParaRPr lang="de-DE" altLang="de-DE"/>
           </a:p>
@@ -460,7 +463,7 @@
             <a:fld id="{28525E31-9BC7-4B6E-A68F-BD92C88FDC9D}" type="datetime1">
               <a:rPr lang="de-DE" altLang="de-DE"/>
               <a:pPr/>
-              <a:t>24.09.2022</a:t>
+              <a:t>25.09.2022</a:t>
             </a:fld>
             <a:endParaRPr lang="de-DE" altLang="de-DE"/>
           </a:p>
@@ -641,7 +644,7 @@
             <a:fld id="{9CBAFC69-B15D-43B5-A290-EF34A75D25A5}" type="slidenum">
               <a:rPr lang="de-DE" altLang="de-DE"/>
               <a:pPr/>
-              <a:t>‹Nr.›</a:t>
+              <a:t>‹#›</a:t>
             </a:fld>
             <a:endParaRPr lang="de-DE" altLang="de-DE"/>
           </a:p>
@@ -1334,7 +1337,7 @@
             <a:fld id="{F615B621-9A57-4186-9964-12DDF1747427}" type="slidenum">
               <a:rPr lang="de-DE" altLang="de-DE"/>
               <a:pPr/>
-              <a:t>‹Nr.›</a:t>
+              <a:t>‹#›</a:t>
             </a:fld>
             <a:endParaRPr lang="de-DE" altLang="de-DE"/>
           </a:p>
@@ -1607,14 +1610,14 @@
           </a:ln>
           <a:extLst>
             <a:ext uri="{909E8E84-426E-40dd-AFC4-6F175D3DCCD1}">
-              <a14:hiddenFill xmlns:a14="http://schemas.microsoft.com/office/drawing/2010/main" xmlns="">
+              <a14:hiddenFill xmlns="" xmlns:a14="http://schemas.microsoft.com/office/drawing/2010/main">
                 <a:solidFill>
                   <a:srgbClr val="FFFFFF"/>
                 </a:solidFill>
               </a14:hiddenFill>
             </a:ext>
             <a:ext uri="{91240B29-F687-4f45-9708-019B960494DF}">
-              <a14:hiddenLine xmlns:a14="http://schemas.microsoft.com/office/drawing/2010/main" xmlns="" w="9525">
+              <a14:hiddenLine xmlns="" xmlns:a14="http://schemas.microsoft.com/office/drawing/2010/main" w="9525">
                 <a:solidFill>
                   <a:srgbClr val="000000"/>
                 </a:solidFill>
@@ -2066,7 +2069,7 @@
             <a:fld id="{1ACBEC0B-744E-42FA-8B89-F52FFE0CC167}" type="slidenum">
               <a:rPr lang="de-DE" altLang="de-DE"/>
               <a:pPr/>
-              <a:t>‹Nr.›</a:t>
+              <a:t>‹#›</a:t>
             </a:fld>
             <a:endParaRPr lang="de-DE" altLang="de-DE"/>
           </a:p>
@@ -2339,14 +2342,14 @@
           </a:ln>
           <a:extLst>
             <a:ext uri="{909E8E84-426E-40dd-AFC4-6F175D3DCCD1}">
-              <a14:hiddenFill xmlns:a14="http://schemas.microsoft.com/office/drawing/2010/main" xmlns="">
+              <a14:hiddenFill xmlns="" xmlns:a14="http://schemas.microsoft.com/office/drawing/2010/main">
                 <a:solidFill>
                   <a:srgbClr val="FFFFFF"/>
                 </a:solidFill>
               </a14:hiddenFill>
             </a:ext>
             <a:ext uri="{91240B29-F687-4f45-9708-019B960494DF}">
-              <a14:hiddenLine xmlns:a14="http://schemas.microsoft.com/office/drawing/2010/main" xmlns="" w="9525">
+              <a14:hiddenLine xmlns="" xmlns:a14="http://schemas.microsoft.com/office/drawing/2010/main" w="9525">
                 <a:solidFill>
                   <a:srgbClr val="000000"/>
                 </a:solidFill>
@@ -2608,7 +2611,7 @@
             <a:fld id="{B2ED974F-2696-42E6-B18C-5836B6D97548}" type="slidenum">
               <a:rPr lang="de-DE" altLang="de-DE"/>
               <a:pPr/>
-              <a:t>‹Nr.›</a:t>
+              <a:t>‹#›</a:t>
             </a:fld>
             <a:endParaRPr lang="de-DE" altLang="de-DE"/>
           </a:p>
@@ -2851,14 +2854,14 @@
           </a:ln>
           <a:extLst>
             <a:ext uri="{909E8E84-426E-40dd-AFC4-6F175D3DCCD1}">
-              <a14:hiddenFill xmlns:a14="http://schemas.microsoft.com/office/drawing/2010/main" xmlns="">
+              <a14:hiddenFill xmlns="" xmlns:a14="http://schemas.microsoft.com/office/drawing/2010/main">
                 <a:solidFill>
                   <a:srgbClr val="FFFFFF"/>
                 </a:solidFill>
               </a14:hiddenFill>
             </a:ext>
             <a:ext uri="{91240B29-F687-4f45-9708-019B960494DF}">
-              <a14:hiddenLine xmlns:a14="http://schemas.microsoft.com/office/drawing/2010/main" xmlns="" w="9525">
+              <a14:hiddenLine xmlns="" xmlns:a14="http://schemas.microsoft.com/office/drawing/2010/main" w="9525">
                 <a:solidFill>
                   <a:srgbClr val="000000"/>
                 </a:solidFill>
@@ -3310,7 +3313,7 @@
             <a:fld id="{8F9EB104-BB31-4676-A69B-D2BC3D1EFC76}" type="slidenum">
               <a:rPr lang="de-DE" altLang="de-DE"/>
               <a:pPr/>
-              <a:t>‹Nr.›</a:t>
+              <a:t>‹#›</a:t>
             </a:fld>
             <a:endParaRPr lang="de-DE" altLang="de-DE"/>
           </a:p>
@@ -3553,14 +3556,14 @@
           </a:ln>
           <a:extLst>
             <a:ext uri="{909E8E84-426E-40dd-AFC4-6F175D3DCCD1}">
-              <a14:hiddenFill xmlns:a14="http://schemas.microsoft.com/office/drawing/2010/main" xmlns="">
+              <a14:hiddenFill xmlns="" xmlns:a14="http://schemas.microsoft.com/office/drawing/2010/main">
                 <a:solidFill>
                   <a:srgbClr val="FFFFFF"/>
                 </a:solidFill>
               </a14:hiddenFill>
             </a:ext>
             <a:ext uri="{91240B29-F687-4f45-9708-019B960494DF}">
-              <a14:hiddenLine xmlns:a14="http://schemas.microsoft.com/office/drawing/2010/main" xmlns="" w="9525">
+              <a14:hiddenLine xmlns="" xmlns:a14="http://schemas.microsoft.com/office/drawing/2010/main" w="9525">
                 <a:solidFill>
                   <a:srgbClr val="000000"/>
                 </a:solidFill>
@@ -5053,14 +5056,14 @@
           </a:ln>
           <a:extLst>
             <a:ext uri="{909E8E84-426E-40dd-AFC4-6F175D3DCCD1}">
-              <a14:hiddenFill xmlns:a14="http://schemas.microsoft.com/office/drawing/2010/main" xmlns="">
+              <a14:hiddenFill xmlns="" xmlns:a14="http://schemas.microsoft.com/office/drawing/2010/main">
                 <a:solidFill>
                   <a:srgbClr val="FFFFFF"/>
                 </a:solidFill>
               </a14:hiddenFill>
             </a:ext>
             <a:ext uri="{91240B29-F687-4f45-9708-019B960494DF}">
-              <a14:hiddenLine xmlns:a14="http://schemas.microsoft.com/office/drawing/2010/main" xmlns="" w="9525">
+              <a14:hiddenLine xmlns="" xmlns:a14="http://schemas.microsoft.com/office/drawing/2010/main" w="9525">
                 <a:solidFill>
                   <a:srgbClr val="000000"/>
                 </a:solidFill>
@@ -5509,7 +5512,7 @@
             <a:fld id="{AA258970-1D1F-4745-977D-3DA99F47DD7A}" type="slidenum">
               <a:rPr lang="de-DE" altLang="de-DE"/>
               <a:pPr/>
-              <a:t>‹Nr.›</a:t>
+              <a:t>‹#›</a:t>
             </a:fld>
             <a:endParaRPr lang="de-DE" altLang="de-DE"/>
           </a:p>
@@ -6058,7 +6061,7 @@
             <a:fld id="{54F16082-FC43-4BA7-86F2-04926EE1AC88}" type="slidenum">
               <a:rPr lang="de-DE" altLang="de-DE"/>
               <a:pPr/>
-              <a:t>‹Nr.›</a:t>
+              <a:t>‹#›</a:t>
             </a:fld>
             <a:endParaRPr lang="de-DE" altLang="de-DE"/>
           </a:p>
@@ -6235,14 +6238,14 @@
           </a:ln>
           <a:extLst>
             <a:ext uri="{909E8E84-426E-40dd-AFC4-6F175D3DCCD1}">
-              <a14:hiddenFill xmlns:a14="http://schemas.microsoft.com/office/drawing/2010/main" xmlns="">
+              <a14:hiddenFill xmlns="" xmlns:a14="http://schemas.microsoft.com/office/drawing/2010/main">
                 <a:solidFill>
                   <a:srgbClr val="FFFFFF"/>
                 </a:solidFill>
               </a14:hiddenFill>
             </a:ext>
             <a:ext uri="{91240B29-F687-4f45-9708-019B960494DF}">
-              <a14:hiddenLine xmlns:a14="http://schemas.microsoft.com/office/drawing/2010/main" xmlns="" w="9525">
+              <a14:hiddenLine xmlns="" xmlns:a14="http://schemas.microsoft.com/office/drawing/2010/main" w="9525">
                 <a:solidFill>
                   <a:srgbClr val="000000"/>
                 </a:solidFill>
@@ -6748,7 +6751,7 @@
             <a:fld id="{0B190BD0-AA36-4EEF-9918-435B4FDBCC9F}" type="slidenum">
               <a:rPr lang="de-DE" altLang="de-DE"/>
               <a:pPr/>
-              <a:t>‹Nr.›</a:t>
+              <a:t>‹#›</a:t>
             </a:fld>
             <a:endParaRPr lang="de-DE" altLang="de-DE"/>
           </a:p>
@@ -6925,14 +6928,14 @@
           </a:ln>
           <a:extLst>
             <a:ext uri="{909E8E84-426E-40dd-AFC4-6F175D3DCCD1}">
-              <a14:hiddenFill xmlns:a14="http://schemas.microsoft.com/office/drawing/2010/main" xmlns="">
+              <a14:hiddenFill xmlns="" xmlns:a14="http://schemas.microsoft.com/office/drawing/2010/main">
                 <a:solidFill>
                   <a:srgbClr val="FFFFFF"/>
                 </a:solidFill>
               </a14:hiddenFill>
             </a:ext>
             <a:ext uri="{91240B29-F687-4f45-9708-019B960494DF}">
-              <a14:hiddenLine xmlns:a14="http://schemas.microsoft.com/office/drawing/2010/main" xmlns="" w="9525">
+              <a14:hiddenLine xmlns="" xmlns:a14="http://schemas.microsoft.com/office/drawing/2010/main" w="9525">
                 <a:solidFill>
                   <a:srgbClr val="000000"/>
                 </a:solidFill>
@@ -7470,7 +7473,7 @@
             <a:fld id="{8BA2989F-A84C-446A-8DEA-E2F5AB4C198F}" type="slidenum">
               <a:rPr lang="de-DE" altLang="de-DE"/>
               <a:pPr/>
-              <a:t>‹Nr.›</a:t>
+              <a:t>‹#›</a:t>
             </a:fld>
             <a:endParaRPr lang="de-DE" altLang="de-DE"/>
           </a:p>
@@ -7713,14 +7716,14 @@
           </a:ln>
           <a:extLst>
             <a:ext uri="{909E8E84-426E-40dd-AFC4-6F175D3DCCD1}">
-              <a14:hiddenFill xmlns:a14="http://schemas.microsoft.com/office/drawing/2010/main" xmlns="">
+              <a14:hiddenFill xmlns="" xmlns:a14="http://schemas.microsoft.com/office/drawing/2010/main">
                 <a:solidFill>
                   <a:srgbClr val="FFFFFF"/>
                 </a:solidFill>
               </a14:hiddenFill>
             </a:ext>
             <a:ext uri="{91240B29-F687-4f45-9708-019B960494DF}">
-              <a14:hiddenLine xmlns:a14="http://schemas.microsoft.com/office/drawing/2010/main" xmlns="" w="9525">
+              <a14:hiddenLine xmlns="" xmlns:a14="http://schemas.microsoft.com/office/drawing/2010/main" w="9525">
                 <a:solidFill>
                   <a:srgbClr val="000000"/>
                 </a:solidFill>
@@ -8120,7 +8123,7 @@
             <a:fld id="{88748CFB-16F5-4557-BF75-84AE3C041F21}" type="slidenum">
               <a:rPr lang="de-DE" altLang="de-DE"/>
               <a:pPr/>
-              <a:t>‹Nr.›</a:t>
+              <a:t>‹#›</a:t>
             </a:fld>
             <a:endParaRPr lang="de-DE" altLang="de-DE"/>
           </a:p>
@@ -8363,14 +8366,14 @@
           </a:ln>
           <a:extLst>
             <a:ext uri="{909E8E84-426E-40dd-AFC4-6F175D3DCCD1}">
-              <a14:hiddenFill xmlns:a14="http://schemas.microsoft.com/office/drawing/2010/main" xmlns="">
+              <a14:hiddenFill xmlns="" xmlns:a14="http://schemas.microsoft.com/office/drawing/2010/main">
                 <a:solidFill>
                   <a:srgbClr val="FFFFFF"/>
                 </a:solidFill>
               </a14:hiddenFill>
             </a:ext>
             <a:ext uri="{91240B29-F687-4f45-9708-019B960494DF}">
-              <a14:hiddenLine xmlns:a14="http://schemas.microsoft.com/office/drawing/2010/main" xmlns="" w="9525">
+              <a14:hiddenLine xmlns="" xmlns:a14="http://schemas.microsoft.com/office/drawing/2010/main" w="9525">
                 <a:solidFill>
                   <a:srgbClr val="000000"/>
                 </a:solidFill>
@@ -8706,7 +8709,7 @@
             <a:fld id="{3A2AEAD6-7743-440E-9319-06030D24C279}" type="slidenum">
               <a:rPr lang="de-DE" altLang="de-DE"/>
               <a:pPr/>
-              <a:t>‹Nr.›</a:t>
+              <a:t>‹#›</a:t>
             </a:fld>
             <a:endParaRPr lang="de-DE" altLang="de-DE"/>
           </a:p>
@@ -8979,14 +8982,14 @@
           </a:ln>
           <a:extLst>
             <a:ext uri="{909E8E84-426E-40dd-AFC4-6F175D3DCCD1}">
-              <a14:hiddenFill xmlns:a14="http://schemas.microsoft.com/office/drawing/2010/main" xmlns="">
+              <a14:hiddenFill xmlns="" xmlns:a14="http://schemas.microsoft.com/office/drawing/2010/main">
                 <a:solidFill>
                   <a:srgbClr val="FFFFFF"/>
                 </a:solidFill>
               </a14:hiddenFill>
             </a:ext>
             <a:ext uri="{91240B29-F687-4f45-9708-019B960494DF}">
-              <a14:hiddenLine xmlns:a14="http://schemas.microsoft.com/office/drawing/2010/main" xmlns="" w="9525">
+              <a14:hiddenLine xmlns="" xmlns:a14="http://schemas.microsoft.com/office/drawing/2010/main" w="9525">
                 <a:solidFill>
                   <a:srgbClr val="000000"/>
                 </a:solidFill>
@@ -9322,7 +9325,7 @@
             <a:fld id="{57A9147C-CE30-4024-B815-E68A62F18E6D}" type="slidenum">
               <a:rPr lang="de-DE" altLang="de-DE"/>
               <a:pPr/>
-              <a:t>‹Nr.›</a:t>
+              <a:t>‹#›</a:t>
             </a:fld>
             <a:endParaRPr lang="de-DE" altLang="de-DE"/>
           </a:p>
@@ -9595,14 +9598,14 @@
           </a:ln>
           <a:extLst>
             <a:ext uri="{909E8E84-426E-40dd-AFC4-6F175D3DCCD1}">
-              <a14:hiddenFill xmlns:a14="http://schemas.microsoft.com/office/drawing/2010/main" xmlns="">
+              <a14:hiddenFill xmlns="" xmlns:a14="http://schemas.microsoft.com/office/drawing/2010/main">
                 <a:solidFill>
                   <a:srgbClr val="FFFFFF"/>
                 </a:solidFill>
               </a14:hiddenFill>
             </a:ext>
             <a:ext uri="{91240B29-F687-4f45-9708-019B960494DF}">
-              <a14:hiddenLine xmlns:a14="http://schemas.microsoft.com/office/drawing/2010/main" xmlns="" w="9525">
+              <a14:hiddenLine xmlns="" xmlns:a14="http://schemas.microsoft.com/office/drawing/2010/main" w="9525">
                 <a:solidFill>
                   <a:srgbClr val="000000"/>
                 </a:solidFill>
@@ -9818,7 +9821,7 @@
             <a:fld id="{4510605E-EB86-4706-A13D-B44010380F2A}" type="slidenum">
               <a:rPr lang="de-DE" altLang="de-DE"/>
               <a:pPr/>
-              <a:t>‹Nr.›</a:t>
+              <a:t>‹#›</a:t>
             </a:fld>
             <a:endParaRPr lang="de-DE" altLang="de-DE"/>
           </a:p>
@@ -10772,7 +10775,10 @@
           <a:bodyPr/>
           <a:lstStyle/>
           <a:p>
-            <a:endParaRPr lang="de-DE"/>
+            <a:r>
+              <a:rPr lang="de-DE" dirty="0"/>
+              <a:t> Warum ist Dokumentation wichtig?</a:t>
+            </a:r>
           </a:p>
         </p:txBody>
       </p:sp>

--- a/.temp/WS22-23-Software-Engineering-Lektion-02.pptx
+++ b/.temp/WS22-23-Software-Engineering-Lektion-02.pptx
@@ -5,17 +5,13 @@
     <p:sldMasterId id="2147483648" r:id="rId1"/>
   </p:sldMasterIdLst>
   <p:notesMasterIdLst>
-    <p:notesMasterId r:id="rId7"/>
+    <p:notesMasterId r:id="rId3"/>
   </p:notesMasterIdLst>
   <p:handoutMasterIdLst>
-    <p:handoutMasterId r:id="rId8"/>
+    <p:handoutMasterId r:id="rId4"/>
   </p:handoutMasterIdLst>
   <p:sldIdLst>
     <p:sldId id="256" r:id="rId2"/>
-    <p:sldId id="257" r:id="rId3"/>
-    <p:sldId id="258" r:id="rId4"/>
-    <p:sldId id="259" r:id="rId5"/>
-    <p:sldId id="261" r:id="rId6"/>
   </p:sldIdLst>
   <p:sldSz cx="12192000" cy="6858000"/>
   <p:notesSz cx="6797675" cy="9926638"/>
@@ -258,7 +254,7 @@
             <a:fld id="{897F756F-B8E4-4EF8-93FA-2ACCEF5D30FB}" type="datetime1">
               <a:rPr lang="de-DE" altLang="de-DE"/>
               <a:pPr/>
-              <a:t>25.09.2022</a:t>
+              <a:t>26.09.2022</a:t>
             </a:fld>
             <a:endParaRPr lang="de-DE" altLang="de-DE"/>
           </a:p>
@@ -463,7 +459,7 @@
             <a:fld id="{28525E31-9BC7-4B6E-A68F-BD92C88FDC9D}" type="datetime1">
               <a:rPr lang="de-DE" altLang="de-DE"/>
               <a:pPr/>
-              <a:t>25.09.2022</a:t>
+              <a:t>26.09.2022</a:t>
             </a:fld>
             <a:endParaRPr lang="de-DE" altLang="de-DE"/>
           </a:p>
@@ -1610,14 +1606,14 @@
           </a:ln>
           <a:extLst>
             <a:ext uri="{909E8E84-426E-40dd-AFC4-6F175D3DCCD1}">
-              <a14:hiddenFill xmlns="" xmlns:a14="http://schemas.microsoft.com/office/drawing/2010/main">
+              <a14:hiddenFill xmlns:a14="http://schemas.microsoft.com/office/drawing/2010/main" xmlns="">
                 <a:solidFill>
                   <a:srgbClr val="FFFFFF"/>
                 </a:solidFill>
               </a14:hiddenFill>
             </a:ext>
             <a:ext uri="{91240B29-F687-4f45-9708-019B960494DF}">
-              <a14:hiddenLine xmlns="" xmlns:a14="http://schemas.microsoft.com/office/drawing/2010/main" w="9525">
+              <a14:hiddenLine xmlns:a14="http://schemas.microsoft.com/office/drawing/2010/main" xmlns="" w="9525">
                 <a:solidFill>
                   <a:srgbClr val="000000"/>
                 </a:solidFill>
@@ -2342,14 +2338,14 @@
           </a:ln>
           <a:extLst>
             <a:ext uri="{909E8E84-426E-40dd-AFC4-6F175D3DCCD1}">
-              <a14:hiddenFill xmlns="" xmlns:a14="http://schemas.microsoft.com/office/drawing/2010/main">
+              <a14:hiddenFill xmlns:a14="http://schemas.microsoft.com/office/drawing/2010/main" xmlns="">
                 <a:solidFill>
                   <a:srgbClr val="FFFFFF"/>
                 </a:solidFill>
               </a14:hiddenFill>
             </a:ext>
             <a:ext uri="{91240B29-F687-4f45-9708-019B960494DF}">
-              <a14:hiddenLine xmlns="" xmlns:a14="http://schemas.microsoft.com/office/drawing/2010/main" w="9525">
+              <a14:hiddenLine xmlns:a14="http://schemas.microsoft.com/office/drawing/2010/main" xmlns="" w="9525">
                 <a:solidFill>
                   <a:srgbClr val="000000"/>
                 </a:solidFill>
@@ -2854,14 +2850,14 @@
           </a:ln>
           <a:extLst>
             <a:ext uri="{909E8E84-426E-40dd-AFC4-6F175D3DCCD1}">
-              <a14:hiddenFill xmlns="" xmlns:a14="http://schemas.microsoft.com/office/drawing/2010/main">
+              <a14:hiddenFill xmlns:a14="http://schemas.microsoft.com/office/drawing/2010/main" xmlns="">
                 <a:solidFill>
                   <a:srgbClr val="FFFFFF"/>
                 </a:solidFill>
               </a14:hiddenFill>
             </a:ext>
             <a:ext uri="{91240B29-F687-4f45-9708-019B960494DF}">
-              <a14:hiddenLine xmlns="" xmlns:a14="http://schemas.microsoft.com/office/drawing/2010/main" w="9525">
+              <a14:hiddenLine xmlns:a14="http://schemas.microsoft.com/office/drawing/2010/main" xmlns="" w="9525">
                 <a:solidFill>
                   <a:srgbClr val="000000"/>
                 </a:solidFill>
@@ -3556,14 +3552,14 @@
           </a:ln>
           <a:extLst>
             <a:ext uri="{909E8E84-426E-40dd-AFC4-6F175D3DCCD1}">
-              <a14:hiddenFill xmlns="" xmlns:a14="http://schemas.microsoft.com/office/drawing/2010/main">
+              <a14:hiddenFill xmlns:a14="http://schemas.microsoft.com/office/drawing/2010/main" xmlns="">
                 <a:solidFill>
                   <a:srgbClr val="FFFFFF"/>
                 </a:solidFill>
               </a14:hiddenFill>
             </a:ext>
             <a:ext uri="{91240B29-F687-4f45-9708-019B960494DF}">
-              <a14:hiddenLine xmlns="" xmlns:a14="http://schemas.microsoft.com/office/drawing/2010/main" w="9525">
+              <a14:hiddenLine xmlns:a14="http://schemas.microsoft.com/office/drawing/2010/main" xmlns="" w="9525">
                 <a:solidFill>
                   <a:srgbClr val="000000"/>
                 </a:solidFill>
@@ -5056,14 +5052,14 @@
           </a:ln>
           <a:extLst>
             <a:ext uri="{909E8E84-426E-40dd-AFC4-6F175D3DCCD1}">
-              <a14:hiddenFill xmlns="" xmlns:a14="http://schemas.microsoft.com/office/drawing/2010/main">
+              <a14:hiddenFill xmlns:a14="http://schemas.microsoft.com/office/drawing/2010/main" xmlns="">
                 <a:solidFill>
                   <a:srgbClr val="FFFFFF"/>
                 </a:solidFill>
               </a14:hiddenFill>
             </a:ext>
             <a:ext uri="{91240B29-F687-4f45-9708-019B960494DF}">
-              <a14:hiddenLine xmlns="" xmlns:a14="http://schemas.microsoft.com/office/drawing/2010/main" w="9525">
+              <a14:hiddenLine xmlns:a14="http://schemas.microsoft.com/office/drawing/2010/main" xmlns="" w="9525">
                 <a:solidFill>
                   <a:srgbClr val="000000"/>
                 </a:solidFill>
@@ -6238,14 +6234,14 @@
           </a:ln>
           <a:extLst>
             <a:ext uri="{909E8E84-426E-40dd-AFC4-6F175D3DCCD1}">
-              <a14:hiddenFill xmlns="" xmlns:a14="http://schemas.microsoft.com/office/drawing/2010/main">
+              <a14:hiddenFill xmlns:a14="http://schemas.microsoft.com/office/drawing/2010/main" xmlns="">
                 <a:solidFill>
                   <a:srgbClr val="FFFFFF"/>
                 </a:solidFill>
               </a14:hiddenFill>
             </a:ext>
             <a:ext uri="{91240B29-F687-4f45-9708-019B960494DF}">
-              <a14:hiddenLine xmlns="" xmlns:a14="http://schemas.microsoft.com/office/drawing/2010/main" w="9525">
+              <a14:hiddenLine xmlns:a14="http://schemas.microsoft.com/office/drawing/2010/main" xmlns="" w="9525">
                 <a:solidFill>
                   <a:srgbClr val="000000"/>
                 </a:solidFill>
@@ -6928,14 +6924,14 @@
           </a:ln>
           <a:extLst>
             <a:ext uri="{909E8E84-426E-40dd-AFC4-6F175D3DCCD1}">
-              <a14:hiddenFill xmlns="" xmlns:a14="http://schemas.microsoft.com/office/drawing/2010/main">
+              <a14:hiddenFill xmlns:a14="http://schemas.microsoft.com/office/drawing/2010/main" xmlns="">
                 <a:solidFill>
                   <a:srgbClr val="FFFFFF"/>
                 </a:solidFill>
               </a14:hiddenFill>
             </a:ext>
             <a:ext uri="{91240B29-F687-4f45-9708-019B960494DF}">
-              <a14:hiddenLine xmlns="" xmlns:a14="http://schemas.microsoft.com/office/drawing/2010/main" w="9525">
+              <a14:hiddenLine xmlns:a14="http://schemas.microsoft.com/office/drawing/2010/main" xmlns="" w="9525">
                 <a:solidFill>
                   <a:srgbClr val="000000"/>
                 </a:solidFill>
@@ -7716,14 +7712,14 @@
           </a:ln>
           <a:extLst>
             <a:ext uri="{909E8E84-426E-40dd-AFC4-6F175D3DCCD1}">
-              <a14:hiddenFill xmlns="" xmlns:a14="http://schemas.microsoft.com/office/drawing/2010/main">
+              <a14:hiddenFill xmlns:a14="http://schemas.microsoft.com/office/drawing/2010/main" xmlns="">
                 <a:solidFill>
                   <a:srgbClr val="FFFFFF"/>
                 </a:solidFill>
               </a14:hiddenFill>
             </a:ext>
             <a:ext uri="{91240B29-F687-4f45-9708-019B960494DF}">
-              <a14:hiddenLine xmlns="" xmlns:a14="http://schemas.microsoft.com/office/drawing/2010/main" w="9525">
+              <a14:hiddenLine xmlns:a14="http://schemas.microsoft.com/office/drawing/2010/main" xmlns="" w="9525">
                 <a:solidFill>
                   <a:srgbClr val="000000"/>
                 </a:solidFill>
@@ -8366,14 +8362,14 @@
           </a:ln>
           <a:extLst>
             <a:ext uri="{909E8E84-426E-40dd-AFC4-6F175D3DCCD1}">
-              <a14:hiddenFill xmlns="" xmlns:a14="http://schemas.microsoft.com/office/drawing/2010/main">
+              <a14:hiddenFill xmlns:a14="http://schemas.microsoft.com/office/drawing/2010/main" xmlns="">
                 <a:solidFill>
                   <a:srgbClr val="FFFFFF"/>
                 </a:solidFill>
               </a14:hiddenFill>
             </a:ext>
             <a:ext uri="{91240B29-F687-4f45-9708-019B960494DF}">
-              <a14:hiddenLine xmlns="" xmlns:a14="http://schemas.microsoft.com/office/drawing/2010/main" w="9525">
+              <a14:hiddenLine xmlns:a14="http://schemas.microsoft.com/office/drawing/2010/main" xmlns="" w="9525">
                 <a:solidFill>
                   <a:srgbClr val="000000"/>
                 </a:solidFill>
@@ -8982,14 +8978,14 @@
           </a:ln>
           <a:extLst>
             <a:ext uri="{909E8E84-426E-40dd-AFC4-6F175D3DCCD1}">
-              <a14:hiddenFill xmlns="" xmlns:a14="http://schemas.microsoft.com/office/drawing/2010/main">
+              <a14:hiddenFill xmlns:a14="http://schemas.microsoft.com/office/drawing/2010/main" xmlns="">
                 <a:solidFill>
                   <a:srgbClr val="FFFFFF"/>
                 </a:solidFill>
               </a14:hiddenFill>
             </a:ext>
             <a:ext uri="{91240B29-F687-4f45-9708-019B960494DF}">
-              <a14:hiddenLine xmlns="" xmlns:a14="http://schemas.microsoft.com/office/drawing/2010/main" w="9525">
+              <a14:hiddenLine xmlns:a14="http://schemas.microsoft.com/office/drawing/2010/main" xmlns="" w="9525">
                 <a:solidFill>
                   <a:srgbClr val="000000"/>
                 </a:solidFill>
@@ -9598,14 +9594,14 @@
           </a:ln>
           <a:extLst>
             <a:ext uri="{909E8E84-426E-40dd-AFC4-6F175D3DCCD1}">
-              <a14:hiddenFill xmlns="" xmlns:a14="http://schemas.microsoft.com/office/drawing/2010/main">
+              <a14:hiddenFill xmlns:a14="http://schemas.microsoft.com/office/drawing/2010/main" xmlns="">
                 <a:solidFill>
                   <a:srgbClr val="FFFFFF"/>
                 </a:solidFill>
               </a14:hiddenFill>
             </a:ext>
             <a:ext uri="{91240B29-F687-4f45-9708-019B960494DF}">
-              <a14:hiddenLine xmlns="" xmlns:a14="http://schemas.microsoft.com/office/drawing/2010/main" w="9525">
+              <a14:hiddenLine xmlns:a14="http://schemas.microsoft.com/office/drawing/2010/main" xmlns="" w="9525">
                 <a:solidFill>
                   <a:srgbClr val="000000"/>
                 </a:solidFill>
@@ -10443,533 +10439,6 @@
         </p:txBody>
       </p:sp>
     </p:spTree>
-  </p:cSld>
-  <p:clrMapOvr>
-    <a:masterClrMapping/>
-  </p:clrMapOvr>
-</p:sld>
-</file>
-
-<file path=ppt/slides/slide2.xml><?xml version="1.0" encoding="utf-8"?>
-<p:sld xmlns:a="http://schemas.openxmlformats.org/drawingml/2006/main" xmlns:r="http://schemas.openxmlformats.org/officeDocument/2006/relationships" xmlns:p="http://schemas.openxmlformats.org/presentationml/2006/main">
-  <p:cSld>
-    <p:spTree>
-      <p:nvGrpSpPr>
-        <p:cNvPr id="1" name=""/>
-        <p:cNvGrpSpPr/>
-        <p:nvPr/>
-      </p:nvGrpSpPr>
-      <p:grpSpPr>
-        <a:xfrm>
-          <a:off x="0" y="0"/>
-          <a:ext cx="0" cy="0"/>
-          <a:chOff x="0" y="0"/>
-          <a:chExt cx="0" cy="0"/>
-        </a:xfrm>
-      </p:grpSpPr>
-      <p:sp>
-        <p:nvSpPr>
-          <p:cNvPr id="7" name="Textplatzhalter 6"/>
-          <p:cNvSpPr>
-            <a:spLocks noGrp="1"/>
-          </p:cNvSpPr>
-          <p:nvPr>
-            <p:ph type="body" sz="quarter" idx="16"/>
-          </p:nvPr>
-        </p:nvSpPr>
-        <p:spPr>
-          <a:xfrm>
-            <a:off x="1989138" y="188914"/>
-            <a:ext cx="8204200" cy="852487"/>
-          </a:xfrm>
-        </p:spPr>
-        <p:txBody>
-          <a:bodyPr/>
-          <a:lstStyle/>
-          <a:p>
-            <a:pPr>
-              <a:defRPr/>
-            </a:pPr>
-            <a:endParaRPr lang="de-DE"/>
-          </a:p>
-        </p:txBody>
-      </p:sp>
-      <p:sp>
-        <p:nvSpPr>
-          <p:cNvPr id="20482" name="Textplatzhalter 7"/>
-          <p:cNvSpPr>
-            <a:spLocks noGrp="1"/>
-          </p:cNvSpPr>
-          <p:nvPr>
-            <p:ph type="body" sz="quarter" idx="20"/>
-          </p:nvPr>
-        </p:nvSpPr>
-        <p:spPr bwMode="auto">
-          <a:xfrm>
-            <a:off x="1987550" y="1492251"/>
-            <a:ext cx="8205788" cy="4194175"/>
-          </a:xfrm>
-          <a:noFill/>
-          <a:extLst>
-            <a:ext uri="{909E8E84-426E-40DD-AFC4-6F175D3DCCD1}">
-              <a14:hiddenFill xmlns:a14="http://schemas.microsoft.com/office/drawing/2010/main">
-                <a:solidFill>
-                  <a:srgbClr val="FFFFFF"/>
-                </a:solidFill>
-              </a14:hiddenFill>
-            </a:ext>
-            <a:ext uri="{91240B29-F687-4F45-9708-019B960494DF}">
-              <a14:hiddenLine xmlns:a14="http://schemas.microsoft.com/office/drawing/2010/main" w="9525">
-                <a:solidFill>
-                  <a:srgbClr val="000000"/>
-                </a:solidFill>
-                <a:miter lim="800000"/>
-                <a:headEnd/>
-                <a:tailEnd/>
-              </a14:hiddenLine>
-            </a:ext>
-          </a:extLst>
-        </p:spPr>
-        <p:txBody>
-          <a:bodyPr wrap="square" numCol="1" anchor="t" anchorCtr="0" compatLnSpc="1">
-            <a:prstTxWarp prst="textNoShape">
-              <a:avLst/>
-            </a:prstTxWarp>
-          </a:bodyPr>
-          <a:lstStyle/>
-          <a:p>
-            <a:pPr>
-              <a:buFont typeface="Lucida Grande" pitchFamily="123" charset="0"/>
-              <a:buNone/>
-            </a:pPr>
-            <a:r>
-              <a:rPr lang="de-DE" altLang="de-DE">
-                <a:ea typeface="ヒラギノ角ゴ Pro W3" pitchFamily="123" charset="-128"/>
-              </a:rPr>
-              <a:t>Hier steht der Lauftext, aus dem </a:t>
-            </a:r>
-            <a:r>
-              <a:rPr lang="de-DE" altLang="de-DE" b="1">
-                <a:solidFill>
-                  <a:srgbClr val="0096D3"/>
-                </a:solidFill>
-                <a:ea typeface="ヒラギノ角ゴ Pro W3" pitchFamily="123" charset="-128"/>
-              </a:rPr>
-              <a:t>Begriffe und Passagen in der Auszeichnungsfarbe Strahlendblau</a:t>
-            </a:r>
-            <a:r>
-              <a:rPr lang="de-DE" altLang="de-DE">
-                <a:ea typeface="ヒラギノ角ゴ Pro W3" pitchFamily="123" charset="-128"/>
-              </a:rPr>
-              <a:t> hervorgehoben werden können.</a:t>
-            </a:r>
-          </a:p>
-          <a:p>
-            <a:pPr>
-              <a:buFont typeface="Lucida Grande" pitchFamily="123" charset="0"/>
-              <a:buNone/>
-            </a:pPr>
-            <a:endParaRPr lang="de-DE" altLang="de-DE">
-              <a:ea typeface="ヒラギノ角ゴ Pro W3" pitchFamily="123" charset="-128"/>
-            </a:endParaRPr>
-          </a:p>
-        </p:txBody>
-      </p:sp>
-      <p:sp>
-        <p:nvSpPr>
-          <p:cNvPr id="20483" name="Foliennummernplatzhalter 4"/>
-          <p:cNvSpPr>
-            <a:spLocks noGrp="1"/>
-          </p:cNvSpPr>
-          <p:nvPr>
-            <p:ph type="sldNum" sz="quarter" idx="21"/>
-          </p:nvPr>
-        </p:nvSpPr>
-        <p:spPr bwMode="auto">
-          <a:noFill/>
-          <a:extLst>
-            <a:ext uri="{909E8E84-426E-40DD-AFC4-6F175D3DCCD1}">
-              <a14:hiddenFill xmlns:a14="http://schemas.microsoft.com/office/drawing/2010/main">
-                <a:solidFill>
-                  <a:srgbClr val="FFFFFF"/>
-                </a:solidFill>
-              </a14:hiddenFill>
-            </a:ext>
-            <a:ext uri="{91240B29-F687-4F45-9708-019B960494DF}">
-              <a14:hiddenLine xmlns:a14="http://schemas.microsoft.com/office/drawing/2010/main" w="9525">
-                <a:solidFill>
-                  <a:srgbClr val="000000"/>
-                </a:solidFill>
-                <a:miter lim="800000"/>
-                <a:headEnd/>
-                <a:tailEnd/>
-              </a14:hiddenLine>
-            </a:ext>
-          </a:extLst>
-        </p:spPr>
-        <p:txBody>
-          <a:bodyPr/>
-          <a:lstStyle>
-            <a:lvl1pPr eaLnBrk="0" hangingPunct="0">
-              <a:defRPr sz="2400">
-                <a:solidFill>
-                  <a:schemeClr val="tx1"/>
-                </a:solidFill>
-                <a:latin typeface="Calibri" panose="020F0502020204030204" pitchFamily="34" charset="0"/>
-                <a:ea typeface="ヒラギノ角ゴ Pro W3" pitchFamily="123" charset="-128"/>
-              </a:defRPr>
-            </a:lvl1pPr>
-            <a:lvl2pPr marL="742950" indent="-285750" eaLnBrk="0" hangingPunct="0">
-              <a:defRPr sz="2400">
-                <a:solidFill>
-                  <a:schemeClr val="tx1"/>
-                </a:solidFill>
-                <a:latin typeface="Calibri" panose="020F0502020204030204" pitchFamily="34" charset="0"/>
-                <a:ea typeface="ヒラギノ角ゴ Pro W3" pitchFamily="123" charset="-128"/>
-              </a:defRPr>
-            </a:lvl2pPr>
-            <a:lvl3pPr marL="1143000" indent="-228600" eaLnBrk="0" hangingPunct="0">
-              <a:defRPr sz="2400">
-                <a:solidFill>
-                  <a:schemeClr val="tx1"/>
-                </a:solidFill>
-                <a:latin typeface="Calibri" panose="020F0502020204030204" pitchFamily="34" charset="0"/>
-                <a:ea typeface="ヒラギノ角ゴ Pro W3" pitchFamily="123" charset="-128"/>
-              </a:defRPr>
-            </a:lvl3pPr>
-            <a:lvl4pPr marL="1600200" indent="-228600" eaLnBrk="0" hangingPunct="0">
-              <a:defRPr sz="2400">
-                <a:solidFill>
-                  <a:schemeClr val="tx1"/>
-                </a:solidFill>
-                <a:latin typeface="Calibri" panose="020F0502020204030204" pitchFamily="34" charset="0"/>
-                <a:ea typeface="ヒラギノ角ゴ Pro W3" pitchFamily="123" charset="-128"/>
-              </a:defRPr>
-            </a:lvl4pPr>
-            <a:lvl5pPr marL="2057400" indent="-228600" eaLnBrk="0" hangingPunct="0">
-              <a:defRPr sz="2400">
-                <a:solidFill>
-                  <a:schemeClr val="tx1"/>
-                </a:solidFill>
-                <a:latin typeface="Calibri" panose="020F0502020204030204" pitchFamily="34" charset="0"/>
-                <a:ea typeface="ヒラギノ角ゴ Pro W3" pitchFamily="123" charset="-128"/>
-              </a:defRPr>
-            </a:lvl5pPr>
-            <a:lvl6pPr marL="2514600" indent="-228600" defTabSz="457200" eaLnBrk="0" fontAlgn="base" hangingPunct="0">
-              <a:spcBef>
-                <a:spcPct val="0"/>
-              </a:spcBef>
-              <a:spcAft>
-                <a:spcPct val="0"/>
-              </a:spcAft>
-              <a:defRPr sz="2400">
-                <a:solidFill>
-                  <a:schemeClr val="tx1"/>
-                </a:solidFill>
-                <a:latin typeface="Calibri" panose="020F0502020204030204" pitchFamily="34" charset="0"/>
-                <a:ea typeface="ヒラギノ角ゴ Pro W3" pitchFamily="123" charset="-128"/>
-              </a:defRPr>
-            </a:lvl6pPr>
-            <a:lvl7pPr marL="2971800" indent="-228600" defTabSz="457200" eaLnBrk="0" fontAlgn="base" hangingPunct="0">
-              <a:spcBef>
-                <a:spcPct val="0"/>
-              </a:spcBef>
-              <a:spcAft>
-                <a:spcPct val="0"/>
-              </a:spcAft>
-              <a:defRPr sz="2400">
-                <a:solidFill>
-                  <a:schemeClr val="tx1"/>
-                </a:solidFill>
-                <a:latin typeface="Calibri" panose="020F0502020204030204" pitchFamily="34" charset="0"/>
-                <a:ea typeface="ヒラギノ角ゴ Pro W3" pitchFamily="123" charset="-128"/>
-              </a:defRPr>
-            </a:lvl7pPr>
-            <a:lvl8pPr marL="3429000" indent="-228600" defTabSz="457200" eaLnBrk="0" fontAlgn="base" hangingPunct="0">
-              <a:spcBef>
-                <a:spcPct val="0"/>
-              </a:spcBef>
-              <a:spcAft>
-                <a:spcPct val="0"/>
-              </a:spcAft>
-              <a:defRPr sz="2400">
-                <a:solidFill>
-                  <a:schemeClr val="tx1"/>
-                </a:solidFill>
-                <a:latin typeface="Calibri" panose="020F0502020204030204" pitchFamily="34" charset="0"/>
-                <a:ea typeface="ヒラギノ角ゴ Pro W3" pitchFamily="123" charset="-128"/>
-              </a:defRPr>
-            </a:lvl8pPr>
-            <a:lvl9pPr marL="3886200" indent="-228600" defTabSz="457200" eaLnBrk="0" fontAlgn="base" hangingPunct="0">
-              <a:spcBef>
-                <a:spcPct val="0"/>
-              </a:spcBef>
-              <a:spcAft>
-                <a:spcPct val="0"/>
-              </a:spcAft>
-              <a:defRPr sz="2400">
-                <a:solidFill>
-                  <a:schemeClr val="tx1"/>
-                </a:solidFill>
-                <a:latin typeface="Calibri" panose="020F0502020204030204" pitchFamily="34" charset="0"/>
-                <a:ea typeface="ヒラギノ角ゴ Pro W3" pitchFamily="123" charset="-128"/>
-              </a:defRPr>
-            </a:lvl9pPr>
-          </a:lstStyle>
-          <a:p>
-            <a:pPr eaLnBrk="1" hangingPunct="1"/>
-            <a:fld id="{1B4D9B44-A80E-4010-A8BB-A650370D7686}" type="slidenum">
-              <a:rPr lang="de-DE" altLang="de-DE" sz="1000">
-                <a:solidFill>
-                  <a:schemeClr val="tx2"/>
-                </a:solidFill>
-              </a:rPr>
-              <a:pPr eaLnBrk="1" hangingPunct="1"/>
-              <a:t>1</a:t>
-            </a:fld>
-            <a:endParaRPr lang="de-DE" altLang="de-DE" sz="1000">
-              <a:solidFill>
-                <a:schemeClr val="tx2"/>
-              </a:solidFill>
-            </a:endParaRPr>
-          </a:p>
-        </p:txBody>
-      </p:sp>
-    </p:spTree>
-  </p:cSld>
-  <p:clrMapOvr>
-    <a:masterClrMapping/>
-  </p:clrMapOvr>
-</p:sld>
-</file>
-
-<file path=ppt/slides/slide3.xml><?xml version="1.0" encoding="utf-8"?>
-<p:sld xmlns:a="http://schemas.openxmlformats.org/drawingml/2006/main" xmlns:r="http://schemas.openxmlformats.org/officeDocument/2006/relationships" xmlns:p="http://schemas.openxmlformats.org/presentationml/2006/main">
-  <p:cSld>
-    <p:spTree>
-      <p:nvGrpSpPr>
-        <p:cNvPr id="1" name=""/>
-        <p:cNvGrpSpPr/>
-        <p:nvPr/>
-      </p:nvGrpSpPr>
-      <p:grpSpPr>
-        <a:xfrm>
-          <a:off x="0" y="0"/>
-          <a:ext cx="0" cy="0"/>
-          <a:chOff x="0" y="0"/>
-          <a:chExt cx="0" cy="0"/>
-        </a:xfrm>
-      </p:grpSpPr>
-      <p:sp>
-        <p:nvSpPr>
-          <p:cNvPr id="2" name="Textplatzhalter 1"/>
-          <p:cNvSpPr>
-            <a:spLocks noGrp="1"/>
-          </p:cNvSpPr>
-          <p:nvPr>
-            <p:ph type="body" sz="quarter" idx="15"/>
-          </p:nvPr>
-        </p:nvSpPr>
-        <p:spPr/>
-        <p:txBody>
-          <a:bodyPr/>
-          <a:lstStyle/>
-          <a:p>
-            <a:r>
-              <a:rPr lang="de-DE" dirty="0"/>
-              <a:t> Warum ist Dokumentation wichtig?</a:t>
-            </a:r>
-          </a:p>
-        </p:txBody>
-      </p:sp>
-      <p:sp>
-        <p:nvSpPr>
-          <p:cNvPr id="3" name="Foliennummernplatzhalter 2"/>
-          <p:cNvSpPr>
-            <a:spLocks noGrp="1"/>
-          </p:cNvSpPr>
-          <p:nvPr>
-            <p:ph type="sldNum" sz="quarter" idx="16"/>
-          </p:nvPr>
-        </p:nvSpPr>
-        <p:spPr/>
-        <p:txBody>
-          <a:bodyPr/>
-          <a:lstStyle/>
-          <a:p>
-            <a:fld id="{3A2AEAD6-7743-440E-9319-06030D24C279}" type="slidenum">
-              <a:rPr lang="de-DE" altLang="de-DE" smtClean="0"/>
-              <a:pPr/>
-              <a:t>2</a:t>
-            </a:fld>
-            <a:endParaRPr lang="de-DE" altLang="de-DE"/>
-          </a:p>
-        </p:txBody>
-      </p:sp>
-    </p:spTree>
-    <p:extLst>
-      <p:ext uri="{BB962C8B-B14F-4D97-AF65-F5344CB8AC3E}">
-        <p14:creationId xmlns:p14="http://schemas.microsoft.com/office/powerpoint/2010/main" val="437157320"/>
-      </p:ext>
-    </p:extLst>
-  </p:cSld>
-  <p:clrMapOvr>
-    <a:masterClrMapping/>
-  </p:clrMapOvr>
-</p:sld>
-</file>
-
-<file path=ppt/slides/slide4.xml><?xml version="1.0" encoding="utf-8"?>
-<p:sld xmlns:a="http://schemas.openxmlformats.org/drawingml/2006/main" xmlns:r="http://schemas.openxmlformats.org/officeDocument/2006/relationships" xmlns:p="http://schemas.openxmlformats.org/presentationml/2006/main">
-  <p:cSld>
-    <p:spTree>
-      <p:nvGrpSpPr>
-        <p:cNvPr id="1" name=""/>
-        <p:cNvGrpSpPr/>
-        <p:nvPr/>
-      </p:nvGrpSpPr>
-      <p:grpSpPr>
-        <a:xfrm>
-          <a:off x="0" y="0"/>
-          <a:ext cx="0" cy="0"/>
-          <a:chOff x="0" y="0"/>
-          <a:chExt cx="0" cy="0"/>
-        </a:xfrm>
-      </p:grpSpPr>
-      <p:sp>
-        <p:nvSpPr>
-          <p:cNvPr id="2" name="Textplatzhalter 1"/>
-          <p:cNvSpPr>
-            <a:spLocks noGrp="1"/>
-          </p:cNvSpPr>
-          <p:nvPr>
-            <p:ph type="body" sz="quarter" idx="15"/>
-          </p:nvPr>
-        </p:nvSpPr>
-        <p:spPr/>
-        <p:txBody>
-          <a:bodyPr/>
-          <a:lstStyle/>
-          <a:p>
-            <a:endParaRPr lang="de-DE"/>
-          </a:p>
-        </p:txBody>
-      </p:sp>
-      <p:sp>
-        <p:nvSpPr>
-          <p:cNvPr id="3" name="Foliennummernplatzhalter 2"/>
-          <p:cNvSpPr>
-            <a:spLocks noGrp="1"/>
-          </p:cNvSpPr>
-          <p:nvPr>
-            <p:ph type="sldNum" sz="quarter" idx="16"/>
-          </p:nvPr>
-        </p:nvSpPr>
-        <p:spPr/>
-        <p:txBody>
-          <a:bodyPr/>
-          <a:lstStyle/>
-          <a:p>
-            <a:fld id="{57A9147C-CE30-4024-B815-E68A62F18E6D}" type="slidenum">
-              <a:rPr lang="de-DE" altLang="de-DE" smtClean="0"/>
-              <a:pPr/>
-              <a:t>3</a:t>
-            </a:fld>
-            <a:endParaRPr lang="de-DE" altLang="de-DE"/>
-          </a:p>
-        </p:txBody>
-      </p:sp>
-    </p:spTree>
-    <p:extLst>
-      <p:ext uri="{BB962C8B-B14F-4D97-AF65-F5344CB8AC3E}">
-        <p14:creationId xmlns:p14="http://schemas.microsoft.com/office/powerpoint/2010/main" val="154351594"/>
-      </p:ext>
-    </p:extLst>
-  </p:cSld>
-  <p:clrMapOvr>
-    <a:masterClrMapping/>
-  </p:clrMapOvr>
-</p:sld>
-</file>
-
-<file path=ppt/slides/slide5.xml><?xml version="1.0" encoding="utf-8"?>
-<p:sld xmlns:a="http://schemas.openxmlformats.org/drawingml/2006/main" xmlns:r="http://schemas.openxmlformats.org/officeDocument/2006/relationships" xmlns:p="http://schemas.openxmlformats.org/presentationml/2006/main">
-  <p:cSld>
-    <p:spTree>
-      <p:nvGrpSpPr>
-        <p:cNvPr id="1" name=""/>
-        <p:cNvGrpSpPr/>
-        <p:nvPr/>
-      </p:nvGrpSpPr>
-      <p:grpSpPr>
-        <a:xfrm>
-          <a:off x="0" y="0"/>
-          <a:ext cx="0" cy="0"/>
-          <a:chOff x="0" y="0"/>
-          <a:chExt cx="0" cy="0"/>
-        </a:xfrm>
-      </p:grpSpPr>
-      <p:sp>
-        <p:nvSpPr>
-          <p:cNvPr id="2" name="Textplatzhalter 1"/>
-          <p:cNvSpPr>
-            <a:spLocks noGrp="1"/>
-          </p:cNvSpPr>
-          <p:nvPr>
-            <p:ph type="body" sz="quarter" idx="15"/>
-          </p:nvPr>
-        </p:nvSpPr>
-        <p:spPr/>
-        <p:txBody>
-          <a:bodyPr/>
-          <a:lstStyle/>
-          <a:p>
-            <a:endParaRPr lang="de-DE"/>
-          </a:p>
-        </p:txBody>
-      </p:sp>
-      <p:sp>
-        <p:nvSpPr>
-          <p:cNvPr id="3" name="Foliennummernplatzhalter 2"/>
-          <p:cNvSpPr>
-            <a:spLocks noGrp="1"/>
-          </p:cNvSpPr>
-          <p:nvPr>
-            <p:ph type="sldNum" sz="quarter" idx="16"/>
-          </p:nvPr>
-        </p:nvSpPr>
-        <p:spPr/>
-        <p:txBody>
-          <a:bodyPr/>
-          <a:lstStyle/>
-          <a:p>
-            <a:fld id="{F615B621-9A57-4186-9964-12DDF1747427}" type="slidenum">
-              <a:rPr lang="de-DE" altLang="de-DE" smtClean="0"/>
-              <a:pPr/>
-              <a:t>4</a:t>
-            </a:fld>
-            <a:endParaRPr lang="de-DE" altLang="de-DE"/>
-          </a:p>
-        </p:txBody>
-      </p:sp>
-      <p:sp>
-        <p:nvSpPr>
-          <p:cNvPr id="4" name="Tabellenplatzhalter 3"/>
-          <p:cNvSpPr>
-            <a:spLocks noGrp="1"/>
-          </p:cNvSpPr>
-          <p:nvPr>
-            <p:ph type="tbl" sz="quarter" idx="17"/>
-          </p:nvPr>
-        </p:nvSpPr>
-        <p:spPr/>
-      </p:sp>
-    </p:spTree>
-    <p:extLst>
-      <p:ext uri="{BB962C8B-B14F-4D97-AF65-F5344CB8AC3E}">
-        <p14:creationId xmlns:p14="http://schemas.microsoft.com/office/powerpoint/2010/main" val="1253150401"/>
-      </p:ext>
-    </p:extLst>
   </p:cSld>
   <p:clrMapOvr>
     <a:masterClrMapping/>
